--- a/Output/Forecasting Solar Radiation and its Potential.pptx
+++ b/Output/Forecasting Solar Radiation and its Potential.pptx
@@ -7,14 +7,12 @@
   <p:sldIdLst>
     <p:sldId id="256" r:id="rId2"/>
     <p:sldId id="257" r:id="rId3"/>
-    <p:sldId id="266" r:id="rId4"/>
-    <p:sldId id="264" r:id="rId5"/>
-    <p:sldId id="265" r:id="rId6"/>
-    <p:sldId id="259" r:id="rId7"/>
-    <p:sldId id="261" r:id="rId8"/>
-    <p:sldId id="258" r:id="rId9"/>
-    <p:sldId id="262" r:id="rId10"/>
-    <p:sldId id="263" r:id="rId11"/>
+    <p:sldId id="265" r:id="rId4"/>
+    <p:sldId id="259" r:id="rId5"/>
+    <p:sldId id="261" r:id="rId6"/>
+    <p:sldId id="258" r:id="rId7"/>
+    <p:sldId id="262" r:id="rId8"/>
+    <p:sldId id="263" r:id="rId9"/>
   </p:sldIdLst>
   <p:sldSz cx="9144000" cy="6858000" type="screen4x3"/>
   <p:notesSz cx="6858000" cy="9144000"/>
@@ -337,7 +335,7 @@
             <a:fld id="{53074F12-AA26-4AC8-9962-C36BB8F32554}" type="datetimeFigureOut">
               <a:rPr lang="en-US" smtClean="0"/>
               <a:pPr/>
-              <a:t>12/14/2020</a:t>
+              <a:t>12/15/2020</a:t>
             </a:fld>
             <a:endParaRPr lang="en-US"/>
           </a:p>
@@ -591,7 +589,7 @@
             <a:fld id="{53074F12-AA26-4AC8-9962-C36BB8F32554}" type="datetimeFigureOut">
               <a:rPr lang="en-US" smtClean="0"/>
               <a:pPr/>
-              <a:t>12/14/2020</a:t>
+              <a:t>12/15/2020</a:t>
             </a:fld>
             <a:endParaRPr lang="en-US"/>
           </a:p>
@@ -761,7 +759,7 @@
             <a:fld id="{53074F12-AA26-4AC8-9962-C36BB8F32554}" type="datetimeFigureOut">
               <a:rPr lang="en-US" smtClean="0"/>
               <a:pPr/>
-              <a:t>12/14/2020</a:t>
+              <a:t>12/15/2020</a:t>
             </a:fld>
             <a:endParaRPr lang="en-US"/>
           </a:p>
@@ -941,7 +939,7 @@
             <a:fld id="{53074F12-AA26-4AC8-9962-C36BB8F32554}" type="datetimeFigureOut">
               <a:rPr lang="en-US" smtClean="0"/>
               <a:pPr/>
-              <a:t>12/14/2020</a:t>
+              <a:t>12/15/2020</a:t>
             </a:fld>
             <a:endParaRPr lang="en-US"/>
           </a:p>
@@ -1167,7 +1165,7 @@
             <a:fld id="{53074F12-AA26-4AC8-9962-C36BB8F32554}" type="datetimeFigureOut">
               <a:rPr lang="en-US" smtClean="0"/>
               <a:pPr/>
-              <a:t>12/14/2020</a:t>
+              <a:t>12/15/2020</a:t>
             </a:fld>
             <a:endParaRPr lang="en-US"/>
           </a:p>
@@ -1393,7 +1391,7 @@
             <a:fld id="{53074F12-AA26-4AC8-9962-C36BB8F32554}" type="datetimeFigureOut">
               <a:rPr lang="en-US" smtClean="0"/>
               <a:pPr/>
-              <a:t>12/14/2020</a:t>
+              <a:t>12/15/2020</a:t>
             </a:fld>
             <a:endParaRPr lang="en-US"/>
           </a:p>
@@ -1640,7 +1638,7 @@
             <a:fld id="{53074F12-AA26-4AC8-9962-C36BB8F32554}" type="datetimeFigureOut">
               <a:rPr lang="en-US" smtClean="0"/>
               <a:pPr/>
-              <a:t>12/14/2020</a:t>
+              <a:t>12/15/2020</a:t>
             </a:fld>
             <a:endParaRPr lang="en-US"/>
           </a:p>
@@ -1927,7 +1925,7 @@
             <a:fld id="{53074F12-AA26-4AC8-9962-C36BB8F32554}" type="datetimeFigureOut">
               <a:rPr lang="en-US" smtClean="0"/>
               <a:pPr/>
-              <a:t>12/14/2020</a:t>
+              <a:t>12/15/2020</a:t>
             </a:fld>
             <a:endParaRPr lang="en-US"/>
           </a:p>
@@ -2407,7 +2405,7 @@
             <a:fld id="{53074F12-AA26-4AC8-9962-C36BB8F32554}" type="datetimeFigureOut">
               <a:rPr lang="en-US" smtClean="0"/>
               <a:pPr/>
-              <a:t>12/14/2020</a:t>
+              <a:t>12/15/2020</a:t>
             </a:fld>
             <a:endParaRPr lang="en-US"/>
           </a:p>
@@ -2526,7 +2524,7 @@
             <a:fld id="{53074F12-AA26-4AC8-9962-C36BB8F32554}" type="datetimeFigureOut">
               <a:rPr lang="en-US" smtClean="0"/>
               <a:pPr/>
-              <a:t>12/14/2020</a:t>
+              <a:t>12/15/2020</a:t>
             </a:fld>
             <a:endParaRPr lang="en-US"/>
           </a:p>
@@ -2623,7 +2621,7 @@
             <a:fld id="{53074F12-AA26-4AC8-9962-C36BB8F32554}" type="datetimeFigureOut">
               <a:rPr lang="en-US" smtClean="0"/>
               <a:pPr/>
-              <a:t>12/14/2020</a:t>
+              <a:t>12/15/2020</a:t>
             </a:fld>
             <a:endParaRPr lang="en-US"/>
           </a:p>
@@ -2900,7 +2898,7 @@
             <a:fld id="{53074F12-AA26-4AC8-9962-C36BB8F32554}" type="datetimeFigureOut">
               <a:rPr lang="en-US" smtClean="0"/>
               <a:pPr/>
-              <a:t>12/14/2020</a:t>
+              <a:t>12/15/2020</a:t>
             </a:fld>
             <a:endParaRPr lang="en-US"/>
           </a:p>
@@ -3122,7 +3120,7 @@
             <a:fld id="{53074F12-AA26-4AC8-9962-C36BB8F32554}" type="datetimeFigureOut">
               <a:rPr lang="en-US" smtClean="0"/>
               <a:pPr/>
-              <a:t>12/14/2020</a:t>
+              <a:t>12/15/2020</a:t>
             </a:fld>
             <a:endParaRPr lang="en-US"/>
           </a:p>
@@ -3656,142 +3654,6 @@
 </p:sld>
 </file>
 
-<file path=ppt/slides/slide10.xml><?xml version="1.0" encoding="utf-8"?>
-<p:sld xmlns:a="http://schemas.openxmlformats.org/drawingml/2006/main" xmlns:r="http://schemas.openxmlformats.org/officeDocument/2006/relationships" xmlns:p="http://schemas.openxmlformats.org/presentationml/2006/main">
-  <p:cSld>
-    <p:bg>
-      <p:bgPr>
-        <a:blipFill dpi="0" rotWithShape="1">
-          <a:blip r:embed="rId2">
-            <a:lum/>
-          </a:blip>
-          <a:srcRect/>
-          <a:stretch>
-            <a:fillRect/>
-          </a:stretch>
-        </a:blipFill>
-        <a:effectLst/>
-      </p:bgPr>
-    </p:bg>
-    <p:spTree>
-      <p:nvGrpSpPr>
-        <p:cNvPr id="1" name=""/>
-        <p:cNvGrpSpPr/>
-        <p:nvPr/>
-      </p:nvGrpSpPr>
-      <p:grpSpPr>
-        <a:xfrm>
-          <a:off x="0" y="0"/>
-          <a:ext cx="0" cy="0"/>
-          <a:chOff x="0" y="0"/>
-          <a:chExt cx="0" cy="0"/>
-        </a:xfrm>
-      </p:grpSpPr>
-      <p:sp>
-        <p:nvSpPr>
-          <p:cNvPr id="2" name="Title 1"/>
-          <p:cNvSpPr>
-            <a:spLocks noGrp="1"/>
-          </p:cNvSpPr>
-          <p:nvPr>
-            <p:ph type="ctrTitle"/>
-          </p:nvPr>
-        </p:nvSpPr>
-        <p:spPr>
-          <a:xfrm>
-            <a:off x="143555" y="5261460"/>
-            <a:ext cx="4428445" cy="1221640"/>
-          </a:xfrm>
-        </p:spPr>
-        <p:txBody>
-          <a:bodyPr>
-            <a:noAutofit/>
-          </a:bodyPr>
-          <a:lstStyle/>
-          <a:p>
-            <a:r>
-              <a:rPr lang="en-US" sz="7200" dirty="0"/>
-              <a:t>Questions?</a:t>
-            </a:r>
-          </a:p>
-        </p:txBody>
-      </p:sp>
-      <p:sp>
-        <p:nvSpPr>
-          <p:cNvPr id="4" name="Title 1">
-            <a:extLst>
-              <a:ext uri="{FF2B5EF4-FFF2-40B4-BE49-F238E27FC236}">
-                <a16:creationId xmlns:a16="http://schemas.microsoft.com/office/drawing/2014/main" id="{AB3C71AD-8DC8-4A5E-9F7E-8BE4FB0D7F65}"/>
-              </a:ext>
-            </a:extLst>
-          </p:cNvPr>
-          <p:cNvSpPr txBox="1">
-            <a:spLocks/>
-          </p:cNvSpPr>
-          <p:nvPr/>
-        </p:nvSpPr>
-        <p:spPr>
-          <a:xfrm>
-            <a:off x="7646139" y="6024985"/>
-            <a:ext cx="1365195" cy="1221640"/>
-          </a:xfrm>
-          <a:prstGeom prst="rect">
-            <a:avLst/>
-          </a:prstGeom>
-          <a:noFill/>
-          <a:effectLst>
-            <a:outerShdw blurRad="88900" dist="38100" dir="5400000" algn="ctr" rotWithShape="0">
-              <a:schemeClr val="tx1">
-                <a:alpha val="83000"/>
-              </a:schemeClr>
-            </a:outerShdw>
-          </a:effectLst>
-        </p:spPr>
-        <p:txBody>
-          <a:bodyPr vert="horz" lIns="91440" tIns="45720" rIns="91440" bIns="45720" rtlCol="0" anchor="ctr">
-            <a:noAutofit/>
-          </a:bodyPr>
-          <a:lstStyle>
-            <a:lvl1pPr algn="l" defTabSz="914400" rtl="0" eaLnBrk="1" latinLnBrk="0" hangingPunct="1">
-              <a:spcBef>
-                <a:spcPct val="0"/>
-              </a:spcBef>
-              <a:buNone/>
-              <a:defRPr sz="3600" kern="1200">
-                <a:solidFill>
-                  <a:schemeClr val="bg1"/>
-                </a:solidFill>
-                <a:latin typeface="+mj-lt"/>
-                <a:ea typeface="+mj-ea"/>
-                <a:cs typeface="+mj-cs"/>
-              </a:defRPr>
-            </a:lvl1pPr>
-          </a:lstStyle>
-          <a:p>
-            <a:r>
-              <a:rPr lang="en-US" sz="2000" dirty="0"/>
-              <a:t>Trent Little</a:t>
-            </a:r>
-            <a:br>
-              <a:rPr lang="en-US" sz="2000" dirty="0"/>
-            </a:br>
-            <a:endParaRPr lang="en-US" sz="2000" dirty="0"/>
-          </a:p>
-        </p:txBody>
-      </p:sp>
-    </p:spTree>
-    <p:extLst>
-      <p:ext uri="{BB962C8B-B14F-4D97-AF65-F5344CB8AC3E}">
-        <p14:creationId xmlns:p14="http://schemas.microsoft.com/office/powerpoint/2010/main" val="585340628"/>
-      </p:ext>
-    </p:extLst>
-  </p:cSld>
-  <p:clrMapOvr>
-    <a:masterClrMapping/>
-  </p:clrMapOvr>
-</p:sld>
-</file>
-
 <file path=ppt/slides/slide2.xml><?xml version="1.0" encoding="utf-8"?>
 <p:sld xmlns:a="http://schemas.openxmlformats.org/drawingml/2006/main" xmlns:r="http://schemas.openxmlformats.org/officeDocument/2006/relationships" xmlns:p="http://schemas.openxmlformats.org/presentationml/2006/main">
   <p:cSld>
@@ -4177,221 +4039,6 @@
       </p:sp>
       <p:pic>
         <p:nvPicPr>
-          <p:cNvPr id="4098" name="Picture 2" descr="United States Images, Stock Photos &amp; Vectors | Shutterstock">
-            <a:extLst>
-              <a:ext uri="{FF2B5EF4-FFF2-40B4-BE49-F238E27FC236}">
-                <a16:creationId xmlns:a16="http://schemas.microsoft.com/office/drawing/2014/main" id="{B24C676E-A4BA-4772-BE16-A9DD80E7E0CD}"/>
-              </a:ext>
-            </a:extLst>
-          </p:cNvPr>
-          <p:cNvPicPr>
-            <a:picLocks noChangeAspect="1" noChangeArrowheads="1"/>
-          </p:cNvPicPr>
-          <p:nvPr/>
-        </p:nvPicPr>
-        <p:blipFill rotWithShape="1">
-          <a:blip r:embed="rId2">
-            <a:extLst>
-              <a:ext uri="{28A0092B-C50C-407E-A947-70E740481C1C}">
-                <a14:useLocalDpi xmlns:a14="http://schemas.microsoft.com/office/drawing/2010/main" val="0"/>
-              </a:ext>
-            </a:extLst>
-          </a:blip>
-          <a:srcRect b="8977"/>
-          <a:stretch/>
-        </p:blipFill>
-        <p:spPr bwMode="auto">
-          <a:xfrm>
-            <a:off x="1517900" y="2054656"/>
-            <a:ext cx="6075478" cy="3970330"/>
-          </a:xfrm>
-          <a:prstGeom prst="rect">
-            <a:avLst/>
-          </a:prstGeom>
-          <a:ln>
-            <a:noFill/>
-          </a:ln>
-          <a:effectLst>
-            <a:softEdge rad="112500"/>
-          </a:effectLst>
-          <a:extLst>
-            <a:ext uri="{909E8E84-426E-40DD-AFC4-6F175D3DCCD1}">
-              <a14:hiddenFill xmlns:a14="http://schemas.microsoft.com/office/drawing/2010/main">
-                <a:solidFill>
-                  <a:srgbClr val="FFFFFF"/>
-                </a:solidFill>
-              </a14:hiddenFill>
-            </a:ext>
-          </a:extLst>
-        </p:spPr>
-      </p:pic>
-    </p:spTree>
-    <p:extLst>
-      <p:ext uri="{BB962C8B-B14F-4D97-AF65-F5344CB8AC3E}">
-        <p14:creationId xmlns:p14="http://schemas.microsoft.com/office/powerpoint/2010/main" val="1265704560"/>
-      </p:ext>
-    </p:extLst>
-  </p:cSld>
-  <p:clrMapOvr>
-    <a:masterClrMapping/>
-  </p:clrMapOvr>
-</p:sld>
-</file>
-
-<file path=ppt/slides/slide4.xml><?xml version="1.0" encoding="utf-8"?>
-<p:sld xmlns:a="http://schemas.openxmlformats.org/drawingml/2006/main" xmlns:r="http://schemas.openxmlformats.org/officeDocument/2006/relationships" xmlns:p="http://schemas.openxmlformats.org/presentationml/2006/main">
-  <p:cSld>
-    <p:spTree>
-      <p:nvGrpSpPr>
-        <p:cNvPr id="1" name=""/>
-        <p:cNvGrpSpPr/>
-        <p:nvPr/>
-      </p:nvGrpSpPr>
-      <p:grpSpPr>
-        <a:xfrm>
-          <a:off x="0" y="0"/>
-          <a:ext cx="0" cy="0"/>
-          <a:chOff x="0" y="0"/>
-          <a:chExt cx="0" cy="0"/>
-        </a:xfrm>
-      </p:grpSpPr>
-      <p:sp>
-        <p:nvSpPr>
-          <p:cNvPr id="2" name="Title 1"/>
-          <p:cNvSpPr>
-            <a:spLocks noGrp="1"/>
-          </p:cNvSpPr>
-          <p:nvPr>
-            <p:ph type="title"/>
-          </p:nvPr>
-        </p:nvSpPr>
-        <p:spPr>
-          <a:xfrm>
-            <a:off x="448965" y="833015"/>
-            <a:ext cx="8246070" cy="458115"/>
-          </a:xfrm>
-        </p:spPr>
-        <p:txBody>
-          <a:bodyPr>
-            <a:noAutofit/>
-          </a:bodyPr>
-          <a:lstStyle/>
-          <a:p>
-            <a:r>
-              <a:rPr lang="en-US" sz="2800" dirty="0"/>
-              <a:t>Overview of Subject Material</a:t>
-            </a:r>
-          </a:p>
-        </p:txBody>
-      </p:sp>
-      <p:pic>
-        <p:nvPicPr>
-          <p:cNvPr id="6146" name="Picture 2" descr="Virginia State SVG Cut File - Snap Click Supply Co.">
-            <a:extLst>
-              <a:ext uri="{FF2B5EF4-FFF2-40B4-BE49-F238E27FC236}">
-                <a16:creationId xmlns:a16="http://schemas.microsoft.com/office/drawing/2014/main" id="{F041278C-3269-4E0B-8810-46E1A6BB1F96}"/>
-              </a:ext>
-            </a:extLst>
-          </p:cNvPr>
-          <p:cNvPicPr>
-            <a:picLocks noChangeAspect="1" noChangeArrowheads="1"/>
-          </p:cNvPicPr>
-          <p:nvPr/>
-        </p:nvPicPr>
-        <p:blipFill>
-          <a:blip r:embed="rId2">
-            <a:extLst>
-              <a:ext uri="{28A0092B-C50C-407E-A947-70E740481C1C}">
-                <a14:useLocalDpi xmlns:a14="http://schemas.microsoft.com/office/drawing/2010/main" val="0"/>
-              </a:ext>
-            </a:extLst>
-          </a:blip>
-          <a:srcRect/>
-          <a:stretch>
-            <a:fillRect/>
-          </a:stretch>
-        </p:blipFill>
-        <p:spPr bwMode="auto">
-          <a:xfrm>
-            <a:off x="754375" y="2054655"/>
-            <a:ext cx="7320690" cy="3586630"/>
-          </a:xfrm>
-          <a:prstGeom prst="rect">
-            <a:avLst/>
-          </a:prstGeom>
-          <a:noFill/>
-          <a:extLst>
-            <a:ext uri="{909E8E84-426E-40DD-AFC4-6F175D3DCCD1}">
-              <a14:hiddenFill xmlns:a14="http://schemas.microsoft.com/office/drawing/2010/main">
-                <a:solidFill>
-                  <a:srgbClr val="FFFFFF"/>
-                </a:solidFill>
-              </a14:hiddenFill>
-            </a:ext>
-          </a:extLst>
-        </p:spPr>
-      </p:pic>
-    </p:spTree>
-    <p:extLst>
-      <p:ext uri="{BB962C8B-B14F-4D97-AF65-F5344CB8AC3E}">
-        <p14:creationId xmlns:p14="http://schemas.microsoft.com/office/powerpoint/2010/main" val="327206469"/>
-      </p:ext>
-    </p:extLst>
-  </p:cSld>
-  <p:clrMapOvr>
-    <a:masterClrMapping/>
-  </p:clrMapOvr>
-</p:sld>
-</file>
-
-<file path=ppt/slides/slide5.xml><?xml version="1.0" encoding="utf-8"?>
-<p:sld xmlns:a="http://schemas.openxmlformats.org/drawingml/2006/main" xmlns:r="http://schemas.openxmlformats.org/officeDocument/2006/relationships" xmlns:p="http://schemas.openxmlformats.org/presentationml/2006/main">
-  <p:cSld>
-    <p:spTree>
-      <p:nvGrpSpPr>
-        <p:cNvPr id="1" name=""/>
-        <p:cNvGrpSpPr/>
-        <p:nvPr/>
-      </p:nvGrpSpPr>
-      <p:grpSpPr>
-        <a:xfrm>
-          <a:off x="0" y="0"/>
-          <a:ext cx="0" cy="0"/>
-          <a:chOff x="0" y="0"/>
-          <a:chExt cx="0" cy="0"/>
-        </a:xfrm>
-      </p:grpSpPr>
-      <p:sp>
-        <p:nvSpPr>
-          <p:cNvPr id="2" name="Title 1"/>
-          <p:cNvSpPr>
-            <a:spLocks noGrp="1"/>
-          </p:cNvSpPr>
-          <p:nvPr>
-            <p:ph type="title"/>
-          </p:nvPr>
-        </p:nvSpPr>
-        <p:spPr>
-          <a:xfrm>
-            <a:off x="448965" y="833015"/>
-            <a:ext cx="8246070" cy="458115"/>
-          </a:xfrm>
-        </p:spPr>
-        <p:txBody>
-          <a:bodyPr>
-            <a:noAutofit/>
-          </a:bodyPr>
-          <a:lstStyle/>
-          <a:p>
-            <a:r>
-              <a:rPr lang="en-US" sz="2800" dirty="0"/>
-              <a:t>Overview of Subject Material</a:t>
-            </a:r>
-          </a:p>
-        </p:txBody>
-      </p:sp>
-      <p:pic>
-        <p:nvPicPr>
           <p:cNvPr id="5126" name="Picture 6">
             <a:extLst>
               <a:ext uri="{FF2B5EF4-FFF2-40B4-BE49-F238E27FC236}">
@@ -4450,7 +4097,7 @@
 </p:sld>
 </file>
 
-<file path=ppt/slides/slide6.xml><?xml version="1.0" encoding="utf-8"?>
+<file path=ppt/slides/slide4.xml><?xml version="1.0" encoding="utf-8"?>
 <p:sld xmlns:a="http://schemas.openxmlformats.org/drawingml/2006/main" xmlns:r="http://schemas.openxmlformats.org/officeDocument/2006/relationships" xmlns:p="http://schemas.openxmlformats.org/presentationml/2006/main">
   <p:cSld>
     <p:bg>
@@ -5853,42 +5500,6 @@
           </p:txBody>
         </p:sp>
       </p:grpSp>
-      <p:pic>
-        <p:nvPicPr>
-          <p:cNvPr id="17" name="Picture 16" descr="Chart, histogram&#10;&#10;Description automatically generated">
-            <a:extLst>
-              <a:ext uri="{FF2B5EF4-FFF2-40B4-BE49-F238E27FC236}">
-                <a16:creationId xmlns:a16="http://schemas.microsoft.com/office/drawing/2014/main" id="{12503260-7674-45EE-AEA6-7C7DFB896C7D}"/>
-              </a:ext>
-            </a:extLst>
-          </p:cNvPr>
-          <p:cNvPicPr>
-            <a:picLocks noChangeAspect="1"/>
-          </p:cNvPicPr>
-          <p:nvPr/>
-        </p:nvPicPr>
-        <p:blipFill>
-          <a:blip r:embed="rId2" cstate="print">
-            <a:extLst>
-              <a:ext uri="{28A0092B-C50C-407E-A947-70E740481C1C}">
-                <a14:useLocalDpi xmlns:a14="http://schemas.microsoft.com/office/drawing/2010/main" val="0"/>
-              </a:ext>
-            </a:extLst>
-          </a:blip>
-          <a:stretch>
-            <a:fillRect/>
-          </a:stretch>
-        </p:blipFill>
-        <p:spPr>
-          <a:xfrm>
-            <a:off x="3350361" y="57574"/>
-            <a:ext cx="5752866" cy="2301146"/>
-          </a:xfrm>
-          <a:prstGeom prst="rect">
-            <a:avLst/>
-          </a:prstGeom>
-        </p:spPr>
-      </p:pic>
       <p:sp>
         <p:nvSpPr>
           <p:cNvPr id="48" name="Rectangle 47">
@@ -5954,10 +5565,46 @@
       </p:sp>
       <p:pic>
         <p:nvPicPr>
-          <p:cNvPr id="15" name="Picture 14" descr="A picture containing text, writing implement&#10;&#10;Description automatically generated">
+          <p:cNvPr id="3" name="Picture 2" descr="Chart, histogram&#10;&#10;Description automatically generated">
             <a:extLst>
               <a:ext uri="{FF2B5EF4-FFF2-40B4-BE49-F238E27FC236}">
-                <a16:creationId xmlns:a16="http://schemas.microsoft.com/office/drawing/2014/main" id="{C6040819-9733-46C0-843A-61EF2653C293}"/>
+                <a16:creationId xmlns:a16="http://schemas.microsoft.com/office/drawing/2014/main" id="{2A51BAA2-8EAE-4D10-B01C-1CC623A3B188}"/>
+              </a:ext>
+            </a:extLst>
+          </p:cNvPr>
+          <p:cNvPicPr>
+            <a:picLocks noChangeAspect="1"/>
+          </p:cNvPicPr>
+          <p:nvPr/>
+        </p:nvPicPr>
+        <p:blipFill>
+          <a:blip r:embed="rId2" cstate="print">
+            <a:extLst>
+              <a:ext uri="{28A0092B-C50C-407E-A947-70E740481C1C}">
+                <a14:useLocalDpi xmlns:a14="http://schemas.microsoft.com/office/drawing/2010/main" val="0"/>
+              </a:ext>
+            </a:extLst>
+          </a:blip>
+          <a:stretch>
+            <a:fillRect/>
+          </a:stretch>
+        </p:blipFill>
+        <p:spPr>
+          <a:xfrm>
+            <a:off x="3197655" y="4505820"/>
+            <a:ext cx="5809543" cy="2323817"/>
+          </a:xfrm>
+          <a:prstGeom prst="rect">
+            <a:avLst/>
+          </a:prstGeom>
+        </p:spPr>
+      </p:pic>
+      <p:pic>
+        <p:nvPicPr>
+          <p:cNvPr id="5" name="Picture 4" descr="Chart&#10;&#10;Description automatically generated">
+            <a:extLst>
+              <a:ext uri="{FF2B5EF4-FFF2-40B4-BE49-F238E27FC236}">
+                <a16:creationId xmlns:a16="http://schemas.microsoft.com/office/drawing/2014/main" id="{44C34827-275B-4704-9A82-0E570728EC1D}"/>
               </a:ext>
             </a:extLst>
           </p:cNvPr>
@@ -5980,8 +5627,8 @@
         </p:blipFill>
         <p:spPr>
           <a:xfrm>
-            <a:off x="436941" y="2156818"/>
-            <a:ext cx="5714659" cy="2285863"/>
+            <a:off x="455228" y="2267091"/>
+            <a:ext cx="5809543" cy="2323817"/>
           </a:xfrm>
           <a:prstGeom prst="rect">
             <a:avLst/>
@@ -5990,10 +5637,148 @@
       </p:pic>
       <p:pic>
         <p:nvPicPr>
-          <p:cNvPr id="11" name="Picture 10" descr="Chart, histogram&#10;&#10;Description automatically generated">
+          <p:cNvPr id="7" name="Picture 6" descr="Chart, histogram&#10;&#10;Description automatically generated">
             <a:extLst>
               <a:ext uri="{FF2B5EF4-FFF2-40B4-BE49-F238E27FC236}">
-                <a16:creationId xmlns:a16="http://schemas.microsoft.com/office/drawing/2014/main" id="{DACA0176-C8A0-4A23-9171-D483F40F4746}"/>
+                <a16:creationId xmlns:a16="http://schemas.microsoft.com/office/drawing/2014/main" id="{8989ECB2-F982-4FE7-B587-286C824C3DC6}"/>
+              </a:ext>
+            </a:extLst>
+          </p:cNvPr>
+          <p:cNvPicPr>
+            <a:picLocks noChangeAspect="1"/>
+          </p:cNvPicPr>
+          <p:nvPr/>
+        </p:nvPicPr>
+        <p:blipFill>
+          <a:blip r:embed="rId4" cstate="print">
+            <a:extLst>
+              <a:ext uri="{28A0092B-C50C-407E-A947-70E740481C1C}">
+                <a14:useLocalDpi xmlns:a14="http://schemas.microsoft.com/office/drawing/2010/main" val="0"/>
+              </a:ext>
+            </a:extLst>
+          </a:blip>
+          <a:stretch>
+            <a:fillRect/>
+          </a:stretch>
+        </p:blipFill>
+        <p:spPr>
+          <a:xfrm>
+            <a:off x="3044950" y="115419"/>
+            <a:ext cx="5809543" cy="2323817"/>
+          </a:xfrm>
+          <a:prstGeom prst="rect">
+            <a:avLst/>
+          </a:prstGeom>
+        </p:spPr>
+      </p:pic>
+    </p:spTree>
+    <p:extLst>
+      <p:ext uri="{BB962C8B-B14F-4D97-AF65-F5344CB8AC3E}">
+        <p14:creationId xmlns:p14="http://schemas.microsoft.com/office/powerpoint/2010/main" val="1101633878"/>
+      </p:ext>
+    </p:extLst>
+  </p:cSld>
+  <p:clrMapOvr>
+    <a:masterClrMapping/>
+  </p:clrMapOvr>
+</p:sld>
+</file>
+
+<file path=ppt/slides/slide5.xml><?xml version="1.0" encoding="utf-8"?>
+<p:sld xmlns:a="http://schemas.openxmlformats.org/drawingml/2006/main" xmlns:r="http://schemas.openxmlformats.org/officeDocument/2006/relationships" xmlns:p="http://schemas.openxmlformats.org/presentationml/2006/main">
+  <p:cSld>
+    <p:spTree>
+      <p:nvGrpSpPr>
+        <p:cNvPr id="1" name=""/>
+        <p:cNvGrpSpPr/>
+        <p:nvPr/>
+      </p:nvGrpSpPr>
+      <p:grpSpPr>
+        <a:xfrm>
+          <a:off x="0" y="0"/>
+          <a:ext cx="0" cy="0"/>
+          <a:chOff x="0" y="0"/>
+          <a:chExt cx="0" cy="0"/>
+        </a:xfrm>
+      </p:grpSpPr>
+      <p:pic>
+        <p:nvPicPr>
+          <p:cNvPr id="3" name="Picture 2" descr="Chart, scatter chart&#10;&#10;Description automatically generated">
+            <a:extLst>
+              <a:ext uri="{FF2B5EF4-FFF2-40B4-BE49-F238E27FC236}">
+                <a16:creationId xmlns:a16="http://schemas.microsoft.com/office/drawing/2014/main" id="{807094B4-D2E3-46D3-A7D3-A5F6400F5768}"/>
+              </a:ext>
+            </a:extLst>
+          </p:cNvPr>
+          <p:cNvPicPr>
+            <a:picLocks noChangeAspect="1"/>
+          </p:cNvPicPr>
+          <p:nvPr/>
+        </p:nvPicPr>
+        <p:blipFill>
+          <a:blip r:embed="rId2">
+            <a:extLst>
+              <a:ext uri="{28A0092B-C50C-407E-A947-70E740481C1C}">
+                <a14:useLocalDpi xmlns:a14="http://schemas.microsoft.com/office/drawing/2010/main" val="0"/>
+              </a:ext>
+            </a:extLst>
+          </a:blip>
+          <a:stretch>
+            <a:fillRect/>
+          </a:stretch>
+        </p:blipFill>
+        <p:spPr>
+          <a:xfrm>
+            <a:off x="263525" y="4192525"/>
+            <a:ext cx="3799457" cy="2279674"/>
+          </a:xfrm>
+          <a:prstGeom prst="rect">
+            <a:avLst/>
+          </a:prstGeom>
+        </p:spPr>
+      </p:pic>
+      <p:pic>
+        <p:nvPicPr>
+          <p:cNvPr id="5" name="Picture 4" descr="Chart, scatter chart&#10;&#10;Description automatically generated">
+            <a:extLst>
+              <a:ext uri="{FF2B5EF4-FFF2-40B4-BE49-F238E27FC236}">
+                <a16:creationId xmlns:a16="http://schemas.microsoft.com/office/drawing/2014/main" id="{1EBA4230-8244-420D-B29B-37D6738B9EFA}"/>
+              </a:ext>
+            </a:extLst>
+          </p:cNvPr>
+          <p:cNvPicPr>
+            <a:picLocks noChangeAspect="1"/>
+          </p:cNvPicPr>
+          <p:nvPr/>
+        </p:nvPicPr>
+        <p:blipFill>
+          <a:blip r:embed="rId3">
+            <a:extLst>
+              <a:ext uri="{28A0092B-C50C-407E-A947-70E740481C1C}">
+                <a14:useLocalDpi xmlns:a14="http://schemas.microsoft.com/office/drawing/2010/main" val="0"/>
+              </a:ext>
+            </a:extLst>
+          </a:blip>
+          <a:stretch>
+            <a:fillRect/>
+          </a:stretch>
+        </p:blipFill>
+        <p:spPr>
+          <a:xfrm>
+            <a:off x="4823165" y="4192525"/>
+            <a:ext cx="3799458" cy="2279675"/>
+          </a:xfrm>
+          <a:prstGeom prst="rect">
+            <a:avLst/>
+          </a:prstGeom>
+        </p:spPr>
+      </p:pic>
+      <p:pic>
+        <p:nvPicPr>
+          <p:cNvPr id="7" name="Picture 6" descr="Chart&#10;&#10;Description automatically generated">
+            <a:extLst>
+              <a:ext uri="{FF2B5EF4-FFF2-40B4-BE49-F238E27FC236}">
+                <a16:creationId xmlns:a16="http://schemas.microsoft.com/office/drawing/2014/main" id="{19D1DE06-21DB-4D34-8503-EBCE18BB0DBB}"/>
               </a:ext>
             </a:extLst>
           </p:cNvPr>
@@ -6016,146 +5801,8 @@
         </p:blipFill>
         <p:spPr>
           <a:xfrm>
-            <a:off x="3053903" y="4252774"/>
-            <a:ext cx="6099020" cy="2439607"/>
-          </a:xfrm>
-          <a:prstGeom prst="rect">
-            <a:avLst/>
-          </a:prstGeom>
-        </p:spPr>
-      </p:pic>
-    </p:spTree>
-    <p:extLst>
-      <p:ext uri="{BB962C8B-B14F-4D97-AF65-F5344CB8AC3E}">
-        <p14:creationId xmlns:p14="http://schemas.microsoft.com/office/powerpoint/2010/main" val="1101633878"/>
-      </p:ext>
-    </p:extLst>
-  </p:cSld>
-  <p:clrMapOvr>
-    <a:masterClrMapping/>
-  </p:clrMapOvr>
-</p:sld>
-</file>
-
-<file path=ppt/slides/slide7.xml><?xml version="1.0" encoding="utf-8"?>
-<p:sld xmlns:a="http://schemas.openxmlformats.org/drawingml/2006/main" xmlns:r="http://schemas.openxmlformats.org/officeDocument/2006/relationships" xmlns:p="http://schemas.openxmlformats.org/presentationml/2006/main">
-  <p:cSld>
-    <p:spTree>
-      <p:nvGrpSpPr>
-        <p:cNvPr id="1" name=""/>
-        <p:cNvGrpSpPr/>
-        <p:nvPr/>
-      </p:nvGrpSpPr>
-      <p:grpSpPr>
-        <a:xfrm>
-          <a:off x="0" y="0"/>
-          <a:ext cx="0" cy="0"/>
-          <a:chOff x="0" y="0"/>
-          <a:chExt cx="0" cy="0"/>
-        </a:xfrm>
-      </p:grpSpPr>
-      <p:pic>
-        <p:nvPicPr>
-          <p:cNvPr id="10" name="Picture 9" descr="Chart, histogram&#10;&#10;Description automatically generated">
-            <a:extLst>
-              <a:ext uri="{FF2B5EF4-FFF2-40B4-BE49-F238E27FC236}">
-                <a16:creationId xmlns:a16="http://schemas.microsoft.com/office/drawing/2014/main" id="{A2765DF7-211A-4B1D-97BA-A0ECE37B8AE5}"/>
-              </a:ext>
-            </a:extLst>
-          </p:cNvPr>
-          <p:cNvPicPr>
-            <a:picLocks noChangeAspect="1"/>
-          </p:cNvPicPr>
-          <p:nvPr/>
-        </p:nvPicPr>
-        <p:blipFill>
-          <a:blip r:embed="rId2">
-            <a:extLst>
-              <a:ext uri="{28A0092B-C50C-407E-A947-70E740481C1C}">
-                <a14:useLocalDpi xmlns:a14="http://schemas.microsoft.com/office/drawing/2010/main" val="0"/>
-              </a:ext>
-            </a:extLst>
-          </a:blip>
-          <a:stretch>
-            <a:fillRect/>
-          </a:stretch>
-        </p:blipFill>
-        <p:spPr>
-          <a:xfrm>
-            <a:off x="143053" y="3909251"/>
-            <a:ext cx="4308475" cy="2585085"/>
-          </a:xfrm>
-          <a:prstGeom prst="rect">
-            <a:avLst/>
-          </a:prstGeom>
-        </p:spPr>
-      </p:pic>
-      <p:pic>
-        <p:nvPicPr>
-          <p:cNvPr id="11" name="Picture 10" descr="Chart, scatter chart&#10;&#10;Description automatically generated">
-            <a:extLst>
-              <a:ext uri="{FF2B5EF4-FFF2-40B4-BE49-F238E27FC236}">
-                <a16:creationId xmlns:a16="http://schemas.microsoft.com/office/drawing/2014/main" id="{CF99D591-D60E-4F46-B40B-6D123A94615F}"/>
-              </a:ext>
-            </a:extLst>
-          </p:cNvPr>
-          <p:cNvPicPr>
-            <a:picLocks noChangeAspect="1"/>
-          </p:cNvPicPr>
-          <p:nvPr/>
-        </p:nvPicPr>
-        <p:blipFill>
-          <a:blip r:embed="rId3">
-            <a:extLst>
-              <a:ext uri="{28A0092B-C50C-407E-A947-70E740481C1C}">
-                <a14:useLocalDpi xmlns:a14="http://schemas.microsoft.com/office/drawing/2010/main" val="0"/>
-              </a:ext>
-            </a:extLst>
-          </a:blip>
-          <a:stretch>
-            <a:fillRect/>
-          </a:stretch>
-        </p:blipFill>
-        <p:spPr>
-          <a:xfrm>
-            <a:off x="4616314" y="3909252"/>
-            <a:ext cx="4308475" cy="2585085"/>
-          </a:xfrm>
-          <a:prstGeom prst="rect">
-            <a:avLst/>
-          </a:prstGeom>
-        </p:spPr>
-      </p:pic>
-      <p:pic>
-        <p:nvPicPr>
-          <p:cNvPr id="12" name="Picture 11" descr="Chart&#10;&#10;Description automatically generated">
-            <a:extLst>
-              <a:ext uri="{FF2B5EF4-FFF2-40B4-BE49-F238E27FC236}">
-                <a16:creationId xmlns:a16="http://schemas.microsoft.com/office/drawing/2014/main" id="{0256F0DB-C4DB-4247-A552-ABA1C9DB8EB6}"/>
-              </a:ext>
-            </a:extLst>
-          </p:cNvPr>
-          <p:cNvPicPr>
-            <a:picLocks noChangeAspect="1"/>
-          </p:cNvPicPr>
-          <p:nvPr/>
-        </p:nvPicPr>
-        <p:blipFill>
-          <a:blip r:embed="rId4">
-            <a:extLst>
-              <a:ext uri="{28A0092B-C50C-407E-A947-70E740481C1C}">
-                <a14:useLocalDpi xmlns:a14="http://schemas.microsoft.com/office/drawing/2010/main" val="0"/>
-              </a:ext>
-            </a:extLst>
-          </a:blip>
-          <a:stretch>
-            <a:fillRect/>
-          </a:stretch>
-        </p:blipFill>
-        <p:spPr>
-          <a:xfrm>
-            <a:off x="143053" y="833015"/>
-            <a:ext cx="4886560" cy="2931936"/>
+            <a:off x="143555" y="833015"/>
+            <a:ext cx="5344675" cy="3206805"/>
           </a:xfrm>
           <a:prstGeom prst="rect">
             <a:avLst/>
@@ -6175,7 +5822,7 @@
 </p:sld>
 </file>
 
-<file path=ppt/slides/slide8.xml><?xml version="1.0" encoding="utf-8"?>
+<file path=ppt/slides/slide6.xml><?xml version="1.0" encoding="utf-8"?>
 <p:sld xmlns:a="http://schemas.openxmlformats.org/drawingml/2006/main" xmlns:r="http://schemas.openxmlformats.org/officeDocument/2006/relationships" xmlns:p="http://schemas.openxmlformats.org/presentationml/2006/main">
   <p:cSld>
     <p:bg>
@@ -7615,78 +7262,6 @@
           </p:txBody>
         </p:sp>
       </p:grpSp>
-      <p:pic>
-        <p:nvPicPr>
-          <p:cNvPr id="20" name="Picture 19" descr="Chart, scatter chart&#10;&#10;Description automatically generated">
-            <a:extLst>
-              <a:ext uri="{FF2B5EF4-FFF2-40B4-BE49-F238E27FC236}">
-                <a16:creationId xmlns:a16="http://schemas.microsoft.com/office/drawing/2014/main" id="{FA971585-B934-4914-AFD0-3C44D34469EB}"/>
-              </a:ext>
-            </a:extLst>
-          </p:cNvPr>
-          <p:cNvPicPr>
-            <a:picLocks noChangeAspect="1"/>
-          </p:cNvPicPr>
-          <p:nvPr/>
-        </p:nvPicPr>
-        <p:blipFill>
-          <a:blip r:embed="rId2" cstate="print">
-            <a:extLst>
-              <a:ext uri="{28A0092B-C50C-407E-A947-70E740481C1C}">
-                <a14:useLocalDpi xmlns:a14="http://schemas.microsoft.com/office/drawing/2010/main" val="0"/>
-              </a:ext>
-            </a:extLst>
-          </a:blip>
-          <a:stretch>
-            <a:fillRect/>
-          </a:stretch>
-        </p:blipFill>
-        <p:spPr>
-          <a:xfrm>
-            <a:off x="1125338" y="3540447"/>
-            <a:ext cx="6893322" cy="2757330"/>
-          </a:xfrm>
-          <a:prstGeom prst="rect">
-            <a:avLst/>
-          </a:prstGeom>
-        </p:spPr>
-      </p:pic>
-      <p:pic>
-        <p:nvPicPr>
-          <p:cNvPr id="10" name="Picture 9" descr="Chart, scatter chart&#10;&#10;Description automatically generated">
-            <a:extLst>
-              <a:ext uri="{FF2B5EF4-FFF2-40B4-BE49-F238E27FC236}">
-                <a16:creationId xmlns:a16="http://schemas.microsoft.com/office/drawing/2014/main" id="{0A5F57DD-8B0F-42E8-9D45-2FF184143BDB}"/>
-              </a:ext>
-            </a:extLst>
-          </p:cNvPr>
-          <p:cNvPicPr>
-            <a:picLocks noChangeAspect="1"/>
-          </p:cNvPicPr>
-          <p:nvPr/>
-        </p:nvPicPr>
-        <p:blipFill>
-          <a:blip r:embed="rId3" cstate="print">
-            <a:extLst>
-              <a:ext uri="{28A0092B-C50C-407E-A947-70E740481C1C}">
-                <a14:useLocalDpi xmlns:a14="http://schemas.microsoft.com/office/drawing/2010/main" val="0"/>
-              </a:ext>
-            </a:extLst>
-          </a:blip>
-          <a:stretch>
-            <a:fillRect/>
-          </a:stretch>
-        </p:blipFill>
-        <p:spPr>
-          <a:xfrm>
-            <a:off x="1779180" y="1332047"/>
-            <a:ext cx="5585638" cy="2238077"/>
-          </a:xfrm>
-          <a:prstGeom prst="rect">
-            <a:avLst/>
-          </a:prstGeom>
-        </p:spPr>
-      </p:pic>
       <p:sp>
         <p:nvSpPr>
           <p:cNvPr id="51" name="Rectangle 50">
@@ -7753,6 +7328,78 @@
           </a:p>
         </p:txBody>
       </p:sp>
+      <p:pic>
+        <p:nvPicPr>
+          <p:cNvPr id="3" name="Picture 2" descr="Chart, scatter chart&#10;&#10;Description automatically generated">
+            <a:extLst>
+              <a:ext uri="{FF2B5EF4-FFF2-40B4-BE49-F238E27FC236}">
+                <a16:creationId xmlns:a16="http://schemas.microsoft.com/office/drawing/2014/main" id="{7F763700-5B65-4F31-98B5-76DB2AF785CF}"/>
+              </a:ext>
+            </a:extLst>
+          </p:cNvPr>
+          <p:cNvPicPr>
+            <a:picLocks noChangeAspect="1"/>
+          </p:cNvPicPr>
+          <p:nvPr/>
+        </p:nvPicPr>
+        <p:blipFill>
+          <a:blip r:embed="rId2" cstate="print">
+            <a:extLst>
+              <a:ext uri="{28A0092B-C50C-407E-A947-70E740481C1C}">
+                <a14:useLocalDpi xmlns:a14="http://schemas.microsoft.com/office/drawing/2010/main" val="0"/>
+              </a:ext>
+            </a:extLst>
+          </a:blip>
+          <a:stretch>
+            <a:fillRect/>
+          </a:stretch>
+        </p:blipFill>
+        <p:spPr>
+          <a:xfrm>
+            <a:off x="883654" y="3680097"/>
+            <a:ext cx="6890250" cy="2756100"/>
+          </a:xfrm>
+          <a:prstGeom prst="rect">
+            <a:avLst/>
+          </a:prstGeom>
+        </p:spPr>
+      </p:pic>
+      <p:pic>
+        <p:nvPicPr>
+          <p:cNvPr id="6" name="Picture 5" descr="Chart, scatter chart&#10;&#10;Description automatically generated">
+            <a:extLst>
+              <a:ext uri="{FF2B5EF4-FFF2-40B4-BE49-F238E27FC236}">
+                <a16:creationId xmlns:a16="http://schemas.microsoft.com/office/drawing/2014/main" id="{BD9DF89A-CBF0-45BD-AFC4-0B7DFED50370}"/>
+              </a:ext>
+            </a:extLst>
+          </p:cNvPr>
+          <p:cNvPicPr>
+            <a:picLocks noChangeAspect="1"/>
+          </p:cNvPicPr>
+          <p:nvPr/>
+        </p:nvPicPr>
+        <p:blipFill>
+          <a:blip r:embed="rId3">
+            <a:extLst>
+              <a:ext uri="{28A0092B-C50C-407E-A947-70E740481C1C}">
+                <a14:useLocalDpi xmlns:a14="http://schemas.microsoft.com/office/drawing/2010/main" val="0"/>
+              </a:ext>
+            </a:extLst>
+          </a:blip>
+          <a:stretch>
+            <a:fillRect/>
+          </a:stretch>
+        </p:blipFill>
+        <p:spPr>
+          <a:xfrm>
+            <a:off x="1338467" y="1437170"/>
+            <a:ext cx="6101045" cy="2440418"/>
+          </a:xfrm>
+          <a:prstGeom prst="rect">
+            <a:avLst/>
+          </a:prstGeom>
+        </p:spPr>
+      </p:pic>
     </p:spTree>
     <p:extLst>
       <p:ext uri="{BB962C8B-B14F-4D97-AF65-F5344CB8AC3E}">
@@ -7766,7 +7413,7 @@
 </p:sld>
 </file>
 
-<file path=ppt/slides/slide9.xml><?xml version="1.0" encoding="utf-8"?>
+<file path=ppt/slides/slide7.xml><?xml version="1.0" encoding="utf-8"?>
 <p:sld xmlns:a="http://schemas.openxmlformats.org/drawingml/2006/main" xmlns:r="http://schemas.openxmlformats.org/officeDocument/2006/relationships" xmlns:p="http://schemas.openxmlformats.org/presentationml/2006/main">
   <p:cSld>
     <p:spTree>
@@ -8133,6 +7780,142 @@
     <p:extLst>
       <p:ext uri="{BB962C8B-B14F-4D97-AF65-F5344CB8AC3E}">
         <p14:creationId xmlns:p14="http://schemas.microsoft.com/office/powerpoint/2010/main" val="496795926"/>
+      </p:ext>
+    </p:extLst>
+  </p:cSld>
+  <p:clrMapOvr>
+    <a:masterClrMapping/>
+  </p:clrMapOvr>
+</p:sld>
+</file>
+
+<file path=ppt/slides/slide8.xml><?xml version="1.0" encoding="utf-8"?>
+<p:sld xmlns:a="http://schemas.openxmlformats.org/drawingml/2006/main" xmlns:r="http://schemas.openxmlformats.org/officeDocument/2006/relationships" xmlns:p="http://schemas.openxmlformats.org/presentationml/2006/main">
+  <p:cSld>
+    <p:bg>
+      <p:bgPr>
+        <a:blipFill dpi="0" rotWithShape="1">
+          <a:blip r:embed="rId2">
+            <a:lum/>
+          </a:blip>
+          <a:srcRect/>
+          <a:stretch>
+            <a:fillRect/>
+          </a:stretch>
+        </a:blipFill>
+        <a:effectLst/>
+      </p:bgPr>
+    </p:bg>
+    <p:spTree>
+      <p:nvGrpSpPr>
+        <p:cNvPr id="1" name=""/>
+        <p:cNvGrpSpPr/>
+        <p:nvPr/>
+      </p:nvGrpSpPr>
+      <p:grpSpPr>
+        <a:xfrm>
+          <a:off x="0" y="0"/>
+          <a:ext cx="0" cy="0"/>
+          <a:chOff x="0" y="0"/>
+          <a:chExt cx="0" cy="0"/>
+        </a:xfrm>
+      </p:grpSpPr>
+      <p:sp>
+        <p:nvSpPr>
+          <p:cNvPr id="2" name="Title 1"/>
+          <p:cNvSpPr>
+            <a:spLocks noGrp="1"/>
+          </p:cNvSpPr>
+          <p:nvPr>
+            <p:ph type="ctrTitle"/>
+          </p:nvPr>
+        </p:nvSpPr>
+        <p:spPr>
+          <a:xfrm>
+            <a:off x="143555" y="5261460"/>
+            <a:ext cx="4428445" cy="1221640"/>
+          </a:xfrm>
+        </p:spPr>
+        <p:txBody>
+          <a:bodyPr>
+            <a:noAutofit/>
+          </a:bodyPr>
+          <a:lstStyle/>
+          <a:p>
+            <a:r>
+              <a:rPr lang="en-US" sz="7200" dirty="0"/>
+              <a:t>Questions?</a:t>
+            </a:r>
+          </a:p>
+        </p:txBody>
+      </p:sp>
+      <p:sp>
+        <p:nvSpPr>
+          <p:cNvPr id="4" name="Title 1">
+            <a:extLst>
+              <a:ext uri="{FF2B5EF4-FFF2-40B4-BE49-F238E27FC236}">
+                <a16:creationId xmlns:a16="http://schemas.microsoft.com/office/drawing/2014/main" id="{AB3C71AD-8DC8-4A5E-9F7E-8BE4FB0D7F65}"/>
+              </a:ext>
+            </a:extLst>
+          </p:cNvPr>
+          <p:cNvSpPr txBox="1">
+            <a:spLocks/>
+          </p:cNvSpPr>
+          <p:nvPr/>
+        </p:nvSpPr>
+        <p:spPr>
+          <a:xfrm>
+            <a:off x="7646139" y="6024985"/>
+            <a:ext cx="1365195" cy="1221640"/>
+          </a:xfrm>
+          <a:prstGeom prst="rect">
+            <a:avLst/>
+          </a:prstGeom>
+          <a:noFill/>
+          <a:effectLst>
+            <a:outerShdw blurRad="88900" dist="38100" dir="5400000" algn="ctr" rotWithShape="0">
+              <a:schemeClr val="tx1">
+                <a:alpha val="83000"/>
+              </a:schemeClr>
+            </a:outerShdw>
+          </a:effectLst>
+        </p:spPr>
+        <p:txBody>
+          <a:bodyPr vert="horz" lIns="91440" tIns="45720" rIns="91440" bIns="45720" rtlCol="0" anchor="ctr">
+            <a:noAutofit/>
+          </a:bodyPr>
+          <a:lstStyle>
+            <a:lvl1pPr algn="l" defTabSz="914400" rtl="0" eaLnBrk="1" latinLnBrk="0" hangingPunct="1">
+              <a:spcBef>
+                <a:spcPct val="0"/>
+              </a:spcBef>
+              <a:buNone/>
+              <a:defRPr sz="3600" kern="1200">
+                <a:solidFill>
+                  <a:schemeClr val="bg1"/>
+                </a:solidFill>
+                <a:latin typeface="+mj-lt"/>
+                <a:ea typeface="+mj-ea"/>
+                <a:cs typeface="+mj-cs"/>
+              </a:defRPr>
+            </a:lvl1pPr>
+          </a:lstStyle>
+          <a:p>
+            <a:r>
+              <a:rPr lang="en-US" sz="2000" dirty="0"/>
+              <a:t>Trent Little</a:t>
+            </a:r>
+            <a:br>
+              <a:rPr lang="en-US" sz="2000" dirty="0"/>
+            </a:br>
+            <a:endParaRPr lang="en-US" sz="2000" dirty="0"/>
+          </a:p>
+        </p:txBody>
+      </p:sp>
+    </p:spTree>
+    <p:extLst>
+      <p:ext uri="{BB962C8B-B14F-4D97-AF65-F5344CB8AC3E}">
+        <p14:creationId xmlns:p14="http://schemas.microsoft.com/office/powerpoint/2010/main" val="585340628"/>
       </p:ext>
     </p:extLst>
   </p:cSld>
